--- a/信息学奥赛/趣学C++编程/第5单元 数组、排序和字符串/第1课一维数组/一维数组.pptx
+++ b/信息学奥赛/趣学C++编程/第5单元 数组、排序和字符串/第1课一维数组/一维数组.pptx
@@ -5,15 +5,14 @@
     <p:sldMasterId id="2147483648" r:id="rId1"/>
   </p:sldMasterIdLst>
   <p:sldIdLst>
-    <p:sldId id="256" r:id="rId2"/>
-    <p:sldId id="257" r:id="rId3"/>
-    <p:sldId id="258" r:id="rId4"/>
-    <p:sldId id="259" r:id="rId5"/>
-    <p:sldId id="260" r:id="rId6"/>
-    <p:sldId id="261" r:id="rId7"/>
-    <p:sldId id="271" r:id="rId8"/>
-    <p:sldId id="272" r:id="rId9"/>
-    <p:sldId id="273" r:id="rId10"/>
+    <p:sldId id="257" r:id="rId2"/>
+    <p:sldId id="258" r:id="rId3"/>
+    <p:sldId id="259" r:id="rId4"/>
+    <p:sldId id="260" r:id="rId5"/>
+    <p:sldId id="261" r:id="rId6"/>
+    <p:sldId id="271" r:id="rId7"/>
+    <p:sldId id="272" r:id="rId8"/>
+    <p:sldId id="273" r:id="rId9"/>
   </p:sldIdLst>
   <p:sldSz cx="12192000" cy="6858000"/>
   <p:notesSz cx="6858000" cy="9144000"/>
@@ -281,7 +280,7 @@
           <a:p>
             <a:fld id="{CA25C14C-9F7E-4FA0-8E24-92D7A1B74D5E}" type="datetimeFigureOut">
               <a:rPr lang="zh-CN" altLang="en-US" smtClean="0"/>
-              <a:t>2022/2/4</a:t>
+              <a:t>2023/3/7</a:t>
             </a:fld>
             <a:endParaRPr lang="zh-CN" altLang="en-US"/>
           </a:p>
@@ -519,7 +518,7 @@
           <a:p>
             <a:fld id="{CA25C14C-9F7E-4FA0-8E24-92D7A1B74D5E}" type="datetimeFigureOut">
               <a:rPr lang="zh-CN" altLang="en-US" smtClean="0"/>
-              <a:t>2022/2/4</a:t>
+              <a:t>2023/3/7</a:t>
             </a:fld>
             <a:endParaRPr lang="zh-CN" altLang="en-US"/>
           </a:p>
@@ -757,7 +756,7 @@
           <a:p>
             <a:fld id="{CA25C14C-9F7E-4FA0-8E24-92D7A1B74D5E}" type="datetimeFigureOut">
               <a:rPr lang="zh-CN" altLang="en-US" smtClean="0"/>
-              <a:t>2022/2/4</a:t>
+              <a:t>2023/3/7</a:t>
             </a:fld>
             <a:endParaRPr lang="zh-CN" altLang="en-US"/>
           </a:p>
@@ -995,7 +994,7 @@
           <a:p>
             <a:fld id="{CA25C14C-9F7E-4FA0-8E24-92D7A1B74D5E}" type="datetimeFigureOut">
               <a:rPr lang="zh-CN" altLang="en-US" smtClean="0"/>
-              <a:t>2022/2/4</a:t>
+              <a:t>2023/3/7</a:t>
             </a:fld>
             <a:endParaRPr lang="zh-CN" altLang="en-US"/>
           </a:p>
@@ -1300,7 +1299,7 @@
           <a:p>
             <a:fld id="{CA25C14C-9F7E-4FA0-8E24-92D7A1B74D5E}" type="datetimeFigureOut">
               <a:rPr lang="zh-CN" altLang="en-US" smtClean="0"/>
-              <a:t>2022/2/4</a:t>
+              <a:t>2023/3/7</a:t>
             </a:fld>
             <a:endParaRPr lang="zh-CN" altLang="en-US"/>
           </a:p>
@@ -1603,7 +1602,7 @@
           <a:p>
             <a:fld id="{CA25C14C-9F7E-4FA0-8E24-92D7A1B74D5E}" type="datetimeFigureOut">
               <a:rPr lang="zh-CN" altLang="en-US" smtClean="0"/>
-              <a:t>2022/2/4</a:t>
+              <a:t>2023/3/7</a:t>
             </a:fld>
             <a:endParaRPr lang="zh-CN" altLang="en-US"/>
           </a:p>
@@ -2054,7 +2053,7 @@
           <a:p>
             <a:fld id="{CA25C14C-9F7E-4FA0-8E24-92D7A1B74D5E}" type="datetimeFigureOut">
               <a:rPr lang="zh-CN" altLang="en-US" smtClean="0"/>
-              <a:t>2022/2/4</a:t>
+              <a:t>2023/3/7</a:t>
             </a:fld>
             <a:endParaRPr lang="zh-CN" altLang="en-US"/>
           </a:p>
@@ -2227,7 +2226,7 @@
           <a:p>
             <a:fld id="{CA25C14C-9F7E-4FA0-8E24-92D7A1B74D5E}" type="datetimeFigureOut">
               <a:rPr lang="zh-CN" altLang="en-US" smtClean="0"/>
-              <a:t>2022/2/4</a:t>
+              <a:t>2023/3/7</a:t>
             </a:fld>
             <a:endParaRPr lang="zh-CN" altLang="en-US"/>
           </a:p>
@@ -2364,7 +2363,7 @@
           <a:p>
             <a:fld id="{CA25C14C-9F7E-4FA0-8E24-92D7A1B74D5E}" type="datetimeFigureOut">
               <a:rPr lang="zh-CN" altLang="en-US" smtClean="0"/>
-              <a:t>2022/2/4</a:t>
+              <a:t>2023/3/7</a:t>
             </a:fld>
             <a:endParaRPr lang="zh-CN" altLang="en-US"/>
           </a:p>
@@ -2708,7 +2707,7 @@
           <a:p>
             <a:fld id="{CA25C14C-9F7E-4FA0-8E24-92D7A1B74D5E}" type="datetimeFigureOut">
               <a:rPr lang="zh-CN" altLang="en-US" smtClean="0"/>
-              <a:t>2022/2/4</a:t>
+              <a:t>2023/3/7</a:t>
             </a:fld>
             <a:endParaRPr lang="zh-CN" altLang="en-US"/>
           </a:p>
@@ -3029,7 +3028,7 @@
           <a:p>
             <a:fld id="{CA25C14C-9F7E-4FA0-8E24-92D7A1B74D5E}" type="datetimeFigureOut">
               <a:rPr lang="zh-CN" altLang="en-US" smtClean="0"/>
-              <a:t>2022/2/4</a:t>
+              <a:t>2023/3/7</a:t>
             </a:fld>
             <a:endParaRPr lang="zh-CN" altLang="en-US"/>
           </a:p>
@@ -3214,7 +3213,7 @@
           </a:ln>
           <a:extLst>
             <a:ext uri="{C572A759-6A51-4108-AA02-DFA0A04FC94B}">
-              <ma14:wrappingTextBoxFlag xmlns:ma14="http://schemas.microsoft.com/office/mac/drawingml/2011/main" xmlns:a14="http://schemas.microsoft.com/office/drawing/2010/main" xmlns:m="http://schemas.openxmlformats.org/officeDocument/2006/math" xmlns="" val="1"/>
+              <ma14:wrappingTextBoxFlag xmlns="" xmlns:m="http://schemas.openxmlformats.org/officeDocument/2006/math" xmlns:a14="http://schemas.microsoft.com/office/drawing/2010/main" xmlns:ma14="http://schemas.microsoft.com/office/mac/drawingml/2011/main" val="1"/>
             </a:ext>
           </a:extLst>
         </p:spPr>
@@ -3404,7 +3403,7 @@
           </a:ln>
           <a:extLst>
             <a:ext uri="{C572A759-6A51-4108-AA02-DFA0A04FC94B}">
-              <ma14:wrappingTextBoxFlag xmlns="" xmlns:m="http://schemas.openxmlformats.org/officeDocument/2006/math" xmlns:a14="http://schemas.microsoft.com/office/drawing/2010/main" xmlns:ma14="http://schemas.microsoft.com/office/mac/drawingml/2011/main" val="1"/>
+              <ma14:wrappingTextBoxFlag xmlns:ma14="http://schemas.microsoft.com/office/mac/drawingml/2011/main" xmlns:a14="http://schemas.microsoft.com/office/drawing/2010/main" xmlns:m="http://schemas.openxmlformats.org/officeDocument/2006/math" xmlns="" val="1"/>
             </a:ext>
           </a:extLst>
         </p:spPr>
@@ -3839,125 +3838,6 @@
 <file path=ppt/slides/slide1.xml><?xml version="1.0" encoding="utf-8"?>
 <p:sld xmlns:a="http://schemas.openxmlformats.org/drawingml/2006/main" xmlns:r="http://schemas.openxmlformats.org/officeDocument/2006/relationships" xmlns:p="http://schemas.openxmlformats.org/presentationml/2006/main">
   <p:cSld>
-    <p:bg>
-      <p:bgPr>
-        <a:blipFill dpi="0" rotWithShape="1">
-          <a:blip r:embed="rId2">
-            <a:lum/>
-          </a:blip>
-          <a:srcRect/>
-          <a:stretch>
-            <a:fillRect t="-16000" b="-16000"/>
-          </a:stretch>
-        </a:blipFill>
-        <a:effectLst/>
-      </p:bgPr>
-    </p:bg>
-    <p:spTree>
-      <p:nvGrpSpPr>
-        <p:cNvPr id="1" name=""/>
-        <p:cNvGrpSpPr/>
-        <p:nvPr/>
-      </p:nvGrpSpPr>
-      <p:grpSpPr>
-        <a:xfrm>
-          <a:off x="0" y="0"/>
-          <a:ext cx="0" cy="0"/>
-          <a:chOff x="0" y="0"/>
-          <a:chExt cx="0" cy="0"/>
-        </a:xfrm>
-      </p:grpSpPr>
-      <p:sp>
-        <p:nvSpPr>
-          <p:cNvPr id="3" name="文本框 2">
-            <a:extLst>
-              <a:ext uri="{FF2B5EF4-FFF2-40B4-BE49-F238E27FC236}">
-                <a16:creationId xmlns:a16="http://schemas.microsoft.com/office/drawing/2014/main" id="{F3A770F0-F299-4DFD-BCEC-02E18357E7A0}"/>
-              </a:ext>
-            </a:extLst>
-          </p:cNvPr>
-          <p:cNvSpPr txBox="1"/>
-          <p:nvPr/>
-        </p:nvSpPr>
-        <p:spPr>
-          <a:xfrm>
-            <a:off x="5014117" y="2351129"/>
-            <a:ext cx="5638252" cy="1271117"/>
-          </a:xfrm>
-          <a:prstGeom prst="rect">
-            <a:avLst/>
-          </a:prstGeom>
-          <a:noFill/>
-        </p:spPr>
-        <p:txBody>
-          <a:bodyPr wrap="square" rtlCol="0">
-            <a:spAutoFit/>
-          </a:bodyPr>
-          <a:lstStyle/>
-          <a:p>
-            <a:pPr>
-              <a:lnSpc>
-                <a:spcPct val="90000"/>
-              </a:lnSpc>
-              <a:spcBef>
-                <a:spcPct val="0"/>
-              </a:spcBef>
-            </a:pPr>
-            <a:r>
-              <a:rPr lang="zh-CN" altLang="en-US" sz="5400" b="1" i="1">
-                <a:ln w="22225">
-                  <a:solidFill>
-                    <a:schemeClr val="accent2"/>
-                  </a:solidFill>
-                  <a:prstDash val="solid"/>
-                </a:ln>
-                <a:solidFill>
-                  <a:schemeClr val="accent2">
-                    <a:lumMod val="40000"/>
-                    <a:lumOff val="60000"/>
-                  </a:schemeClr>
-                </a:solidFill>
-                <a:latin typeface="+mj-lt"/>
-                <a:ea typeface="+mj-ea"/>
-                <a:cs typeface="+mj-cs"/>
-                <a:sym typeface="+mn-ea"/>
-              </a:rPr>
-              <a:t>一维数组和排序</a:t>
-            </a:r>
-          </a:p>
-          <a:p>
-            <a:pPr lvl="0" algn="l">
-              <a:buClrTx/>
-              <a:buSzTx/>
-              <a:buFontTx/>
-            </a:pPr>
-            <a:endParaRPr lang="zh-CN" altLang="en-US" sz="2800" dirty="0">
-              <a:solidFill>
-                <a:schemeClr val="accent1">
-                  <a:lumMod val="75000"/>
-                </a:schemeClr>
-              </a:solidFill>
-              <a:sym typeface="+mn-ea"/>
-            </a:endParaRPr>
-          </a:p>
-        </p:txBody>
-      </p:sp>
-    </p:spTree>
-    <p:extLst>
-      <p:ext uri="{BB962C8B-B14F-4D97-AF65-F5344CB8AC3E}">
-        <p14:creationId xmlns:p14="http://schemas.microsoft.com/office/powerpoint/2010/main" val="2438299492"/>
-      </p:ext>
-    </p:extLst>
-  </p:cSld>
-  <p:clrMapOvr>
-    <a:masterClrMapping/>
-  </p:clrMapOvr>
-</p:sld>
-</file>
-
-<file path=ppt/slides/slide2.xml><?xml version="1.0" encoding="utf-8"?>
-<p:sld xmlns:a="http://schemas.openxmlformats.org/drawingml/2006/main" xmlns:r="http://schemas.openxmlformats.org/officeDocument/2006/relationships" xmlns:p="http://schemas.openxmlformats.org/presentationml/2006/main">
-  <p:cSld>
     <p:spTree>
       <p:nvGrpSpPr>
         <p:cNvPr id="1" name=""/>
@@ -4474,7 +4354,7 @@
 </p:sld>
 </file>
 
-<file path=ppt/slides/slide3.xml><?xml version="1.0" encoding="utf-8"?>
+<file path=ppt/slides/slide2.xml><?xml version="1.0" encoding="utf-8"?>
 <p:sld xmlns:a="http://schemas.openxmlformats.org/drawingml/2006/main" xmlns:r="http://schemas.openxmlformats.org/officeDocument/2006/relationships" xmlns:p="http://schemas.openxmlformats.org/presentationml/2006/main">
   <p:cSld>
     <p:spTree>
@@ -7090,7 +6970,7 @@
 </p:sld>
 </file>
 
-<file path=ppt/slides/slide4.xml><?xml version="1.0" encoding="utf-8"?>
+<file path=ppt/slides/slide3.xml><?xml version="1.0" encoding="utf-8"?>
 <p:sld xmlns:a="http://schemas.openxmlformats.org/drawingml/2006/main" xmlns:r="http://schemas.openxmlformats.org/officeDocument/2006/relationships" xmlns:p="http://schemas.openxmlformats.org/presentationml/2006/main">
   <p:cSld>
     <p:spTree>
@@ -7689,7 +7569,7 @@
 </p:sld>
 </file>
 
-<file path=ppt/slides/slide5.xml><?xml version="1.0" encoding="utf-8"?>
+<file path=ppt/slides/slide4.xml><?xml version="1.0" encoding="utf-8"?>
 <p:sld xmlns:a="http://schemas.openxmlformats.org/drawingml/2006/main" xmlns:r="http://schemas.openxmlformats.org/officeDocument/2006/relationships" xmlns:p="http://schemas.openxmlformats.org/presentationml/2006/main">
   <p:cSld>
     <p:spTree>
@@ -9078,7 +8958,7 @@
 </p:sld>
 </file>
 
-<file path=ppt/slides/slide6.xml><?xml version="1.0" encoding="utf-8"?>
+<file path=ppt/slides/slide5.xml><?xml version="1.0" encoding="utf-8"?>
 <p:sld xmlns:a="http://schemas.openxmlformats.org/drawingml/2006/main" xmlns:r="http://schemas.openxmlformats.org/officeDocument/2006/relationships" xmlns:p="http://schemas.openxmlformats.org/presentationml/2006/main">
   <p:cSld>
     <p:spTree>
@@ -9445,7 +9325,7 @@
 </p:sld>
 </file>
 
-<file path=ppt/slides/slide7.xml><?xml version="1.0" encoding="utf-8"?>
+<file path=ppt/slides/slide6.xml><?xml version="1.0" encoding="utf-8"?>
 <p:sld xmlns:a="http://schemas.openxmlformats.org/drawingml/2006/main" xmlns:r="http://schemas.openxmlformats.org/officeDocument/2006/relationships" xmlns:p="http://schemas.openxmlformats.org/presentationml/2006/main">
   <p:cSld>
     <p:spTree>
@@ -9953,7 +9833,7 @@
 </p:sld>
 </file>
 
-<file path=ppt/slides/slide8.xml><?xml version="1.0" encoding="utf-8"?>
+<file path=ppt/slides/slide7.xml><?xml version="1.0" encoding="utf-8"?>
 <p:sld xmlns:a="http://schemas.openxmlformats.org/drawingml/2006/main" xmlns:r="http://schemas.openxmlformats.org/officeDocument/2006/relationships" xmlns:p="http://schemas.openxmlformats.org/presentationml/2006/main">
   <p:cSld>
     <p:spTree>
@@ -13714,7 +13594,7 @@
 </p:sld>
 </file>
 
-<file path=ppt/slides/slide9.xml><?xml version="1.0" encoding="utf-8"?>
+<file path=ppt/slides/slide8.xml><?xml version="1.0" encoding="utf-8"?>
 <p:sld xmlns:a="http://schemas.openxmlformats.org/drawingml/2006/main" xmlns:r="http://schemas.openxmlformats.org/officeDocument/2006/relationships" xmlns:p="http://schemas.openxmlformats.org/presentationml/2006/main">
   <p:cSld>
     <p:spTree>
